--- a/bg ppt.pptx
+++ b/bg ppt.pptx
@@ -7374,6 +7374,42 @@
               </a:spcAft>
               <a:buNone/>
             </a:pPr>
+            <a:r>
+              <a:rPr lang="en-US" sz="1800" b="0" dirty="0">
+                <a:solidFill>
+                  <a:srgbClr val="000000"/>
+                </a:solidFill>
+                <a:latin typeface="Times New Roman" panose="02020603050405020304" pitchFamily="18" charset="0"/>
+                <a:ea typeface="Arial"/>
+                <a:cs typeface="Times New Roman" panose="02020603050405020304" pitchFamily="18" charset="0"/>
+                <a:sym typeface="Arial"/>
+                <a:hlinkClick r:id="rId2"/>
+              </a:rPr>
+              <a:t>https://github.com/Mu613/BeingGLA</a:t>
+            </a:r>
+            <a:endParaRPr lang="en-US" sz="1800" b="0" dirty="0">
+              <a:solidFill>
+                <a:srgbClr val="000000"/>
+              </a:solidFill>
+              <a:latin typeface="Times New Roman" panose="02020603050405020304" pitchFamily="18" charset="0"/>
+              <a:ea typeface="Arial"/>
+              <a:cs typeface="Times New Roman" panose="02020603050405020304" pitchFamily="18" charset="0"/>
+              <a:sym typeface="Arial"/>
+            </a:endParaRPr>
+          </a:p>
+          <a:p>
+            <a:pPr marL="0" marR="330200" lvl="0" indent="0" algn="just" rtl="0">
+              <a:lnSpc>
+                <a:spcPct val="100000"/>
+              </a:lnSpc>
+              <a:spcBef>
+                <a:spcPts val="0"/>
+              </a:spcBef>
+              <a:spcAft>
+                <a:spcPts val="0"/>
+              </a:spcAft>
+              <a:buNone/>
+            </a:pPr>
             <a:endParaRPr lang="en-IN" dirty="0"/>
           </a:p>
         </p:txBody>
